--- a/蓝牙定位汇报0408.pptx
+++ b/蓝牙定位汇报0408.pptx
@@ -285,7 +285,7 @@
           <a:p>
             <a:fld id="{30DC614E-E826-4F8B-85B3-A3EEE2F9990D}" type="datetimeFigureOut">
               <a:rPr lang="zh-CN" altLang="en-US" smtClean="0"/>
-              <a:t>2021/4/7</a:t>
+              <a:t>2021/4/8</a:t>
             </a:fld>
             <a:endParaRPr lang="zh-CN" altLang="en-US"/>
           </a:p>
@@ -483,7 +483,7 @@
           <a:p>
             <a:fld id="{30DC614E-E826-4F8B-85B3-A3EEE2F9990D}" type="datetimeFigureOut">
               <a:rPr lang="zh-CN" altLang="en-US" smtClean="0"/>
-              <a:t>2021/4/7</a:t>
+              <a:t>2021/4/8</a:t>
             </a:fld>
             <a:endParaRPr lang="zh-CN" altLang="en-US"/>
           </a:p>
@@ -691,7 +691,7 @@
           <a:p>
             <a:fld id="{30DC614E-E826-4F8B-85B3-A3EEE2F9990D}" type="datetimeFigureOut">
               <a:rPr lang="zh-CN" altLang="en-US" smtClean="0"/>
-              <a:t>2021/4/7</a:t>
+              <a:t>2021/4/8</a:t>
             </a:fld>
             <a:endParaRPr lang="zh-CN" altLang="en-US"/>
           </a:p>
@@ -889,7 +889,7 @@
           <a:p>
             <a:fld id="{30DC614E-E826-4F8B-85B3-A3EEE2F9990D}" type="datetimeFigureOut">
               <a:rPr lang="zh-CN" altLang="en-US" smtClean="0"/>
-              <a:t>2021/4/7</a:t>
+              <a:t>2021/4/8</a:t>
             </a:fld>
             <a:endParaRPr lang="zh-CN" altLang="en-US"/>
           </a:p>
@@ -1164,7 +1164,7 @@
           <a:p>
             <a:fld id="{30DC614E-E826-4F8B-85B3-A3EEE2F9990D}" type="datetimeFigureOut">
               <a:rPr lang="zh-CN" altLang="en-US" smtClean="0"/>
-              <a:t>2021/4/7</a:t>
+              <a:t>2021/4/8</a:t>
             </a:fld>
             <a:endParaRPr lang="zh-CN" altLang="en-US"/>
           </a:p>
@@ -1429,7 +1429,7 @@
           <a:p>
             <a:fld id="{30DC614E-E826-4F8B-85B3-A3EEE2F9990D}" type="datetimeFigureOut">
               <a:rPr lang="zh-CN" altLang="en-US" smtClean="0"/>
-              <a:t>2021/4/7</a:t>
+              <a:t>2021/4/8</a:t>
             </a:fld>
             <a:endParaRPr lang="zh-CN" altLang="en-US"/>
           </a:p>
@@ -1841,7 +1841,7 @@
           <a:p>
             <a:fld id="{30DC614E-E826-4F8B-85B3-A3EEE2F9990D}" type="datetimeFigureOut">
               <a:rPr lang="zh-CN" altLang="en-US" smtClean="0"/>
-              <a:t>2021/4/7</a:t>
+              <a:t>2021/4/8</a:t>
             </a:fld>
             <a:endParaRPr lang="zh-CN" altLang="en-US"/>
           </a:p>
@@ -1982,7 +1982,7 @@
           <a:p>
             <a:fld id="{30DC614E-E826-4F8B-85B3-A3EEE2F9990D}" type="datetimeFigureOut">
               <a:rPr lang="zh-CN" altLang="en-US" smtClean="0"/>
-              <a:t>2021/4/7</a:t>
+              <a:t>2021/4/8</a:t>
             </a:fld>
             <a:endParaRPr lang="zh-CN" altLang="en-US"/>
           </a:p>
@@ -2095,7 +2095,7 @@
           <a:p>
             <a:fld id="{30DC614E-E826-4F8B-85B3-A3EEE2F9990D}" type="datetimeFigureOut">
               <a:rPr lang="zh-CN" altLang="en-US" smtClean="0"/>
-              <a:t>2021/4/7</a:t>
+              <a:t>2021/4/8</a:t>
             </a:fld>
             <a:endParaRPr lang="zh-CN" altLang="en-US"/>
           </a:p>
@@ -2406,7 +2406,7 @@
           <a:p>
             <a:fld id="{30DC614E-E826-4F8B-85B3-A3EEE2F9990D}" type="datetimeFigureOut">
               <a:rPr lang="zh-CN" altLang="en-US" smtClean="0"/>
-              <a:t>2021/4/7</a:t>
+              <a:t>2021/4/8</a:t>
             </a:fld>
             <a:endParaRPr lang="zh-CN" altLang="en-US"/>
           </a:p>
@@ -2694,7 +2694,7 @@
           <a:p>
             <a:fld id="{30DC614E-E826-4F8B-85B3-A3EEE2F9990D}" type="datetimeFigureOut">
               <a:rPr lang="zh-CN" altLang="en-US" smtClean="0"/>
-              <a:t>2021/4/7</a:t>
+              <a:t>2021/4/8</a:t>
             </a:fld>
             <a:endParaRPr lang="zh-CN" altLang="en-US"/>
           </a:p>
@@ -2935,7 +2935,7 @@
           <a:p>
             <a:fld id="{30DC614E-E826-4F8B-85B3-A3EEE2F9990D}" type="datetimeFigureOut">
               <a:rPr lang="zh-CN" altLang="en-US" smtClean="0"/>
-              <a:t>2021/4/7</a:t>
+              <a:t>2021/4/8</a:t>
             </a:fld>
             <a:endParaRPr lang="zh-CN" altLang="en-US"/>
           </a:p>
@@ -6159,10 +6159,10 @@
       </p:grpSpPr>
       <p:pic>
         <p:nvPicPr>
-          <p:cNvPr id="6" name="图片 5">
-            <a:extLst>
-              <a:ext uri="{FF2B5EF4-FFF2-40B4-BE49-F238E27FC236}">
-                <a16:creationId xmlns:a16="http://schemas.microsoft.com/office/drawing/2014/main" id="{75FA95A2-D36C-4B14-B74A-500708B8E09B}"/>
+          <p:cNvPr id="11" name="图片 10">
+            <a:extLst>
+              <a:ext uri="{FF2B5EF4-FFF2-40B4-BE49-F238E27FC236}">
+                <a16:creationId xmlns:a16="http://schemas.microsoft.com/office/drawing/2014/main" id="{9BCA9147-03F1-4BEE-A41B-8A87826EE712}"/>
               </a:ext>
             </a:extLst>
           </p:cNvPr>
@@ -6185,8 +6185,8 @@
         </p:blipFill>
         <p:spPr>
           <a:xfrm>
-            <a:off x="2228295" y="2341965"/>
-            <a:ext cx="9022671" cy="4516034"/>
+            <a:off x="2299316" y="2956718"/>
+            <a:ext cx="7794444" cy="3901281"/>
           </a:xfrm>
           <a:prstGeom prst="rect">
             <a:avLst/>
@@ -6277,8 +6277,8 @@
         </p:nvCxnSpPr>
         <p:spPr>
           <a:xfrm>
-            <a:off x="4154750" y="3271520"/>
-            <a:ext cx="0" cy="2765296"/>
+            <a:off x="3710866" y="4327905"/>
+            <a:ext cx="0" cy="1849058"/>
           </a:xfrm>
           <a:prstGeom prst="straightConnector1">
             <a:avLst/>
